--- a/PPT FWD TNSDC 2025 siva sakthi.pptx
+++ b/PPT FWD TNSDC 2025 siva sakthi.pptx
@@ -2,28 +2,28 @@
 <file path=ppt/presentation.xml><?xml version="1.0" encoding="utf-8"?>
 <p:presentation xmlns:p="http://schemas.openxmlformats.org/presentationml/2006/main" xmlns:r="http://schemas.openxmlformats.org/officeDocument/2006/relationships" xmlns:a="http://schemas.openxmlformats.org/drawingml/2006/main">
   <p:sldMasterIdLst>
-    <p:sldMasterId id="2147483654" r:id="rId1"/>
+    <p:sldMasterId id="2147483648" r:id="rId1"/>
   </p:sldMasterIdLst>
   <p:notesMasterIdLst>
     <p:notesMasterId r:id="rId2"/>
   </p:notesMasterIdLst>
   <p:sldIdLst>
-    <p:sldId id="275" r:id="rId3"/>
-    <p:sldId id="276" r:id="rId4"/>
-    <p:sldId id="277" r:id="rId5"/>
-    <p:sldId id="278" r:id="rId6"/>
-    <p:sldId id="279" r:id="rId7"/>
-    <p:sldId id="280" r:id="rId8"/>
-    <p:sldId id="281" r:id="rId9"/>
-    <p:sldId id="282" r:id="rId10"/>
-    <p:sldId id="283" r:id="rId11"/>
-    <p:sldId id="284" r:id="rId12"/>
-    <p:sldId id="286" r:id="rId13"/>
-    <p:sldId id="287" r:id="rId14"/>
-    <p:sldId id="288" r:id="rId15"/>
-    <p:sldId id="289" r:id="rId16"/>
-    <p:sldId id="290" r:id="rId17"/>
-    <p:sldId id="291" r:id="rId18"/>
+    <p:sldId id="257" r:id="rId3"/>
+    <p:sldId id="258" r:id="rId4"/>
+    <p:sldId id="259" r:id="rId5"/>
+    <p:sldId id="260" r:id="rId6"/>
+    <p:sldId id="261" r:id="rId7"/>
+    <p:sldId id="262" r:id="rId8"/>
+    <p:sldId id="263" r:id="rId9"/>
+    <p:sldId id="264" r:id="rId10"/>
+    <p:sldId id="265" r:id="rId11"/>
+    <p:sldId id="266" r:id="rId12"/>
+    <p:sldId id="268" r:id="rId13"/>
+    <p:sldId id="269" r:id="rId14"/>
+    <p:sldId id="270" r:id="rId15"/>
+    <p:sldId id="271" r:id="rId16"/>
+    <p:sldId id="272" r:id="rId17"/>
+    <p:sldId id="273" r:id="rId18"/>
   </p:sldIdLst>
   <p:sldSz type="screen16x9" cy="6858000" cx="12192000"/>
   <p:notesSz cx="12192000" cy="6858000"/>
@@ -2041,11 +2041,11 @@
   </p:cSld>
   <p:clrMap accent1="accent1" accent2="accent2" accent3="accent3" accent4="accent4" accent5="accent5" accent6="accent6" bg1="lt1" bg2="lt2" tx1="dk1" tx2="dk2" hlink="hlink" folHlink="folHlink"/>
   <p:sldLayoutIdLst>
-    <p:sldLayoutId id="2147483655" r:id="rId1"/>
-    <p:sldLayoutId id="2147483656" r:id="rId2"/>
-    <p:sldLayoutId id="2147483657" r:id="rId3"/>
-    <p:sldLayoutId id="2147483658" r:id="rId4"/>
-    <p:sldLayoutId id="2147483659" r:id="rId5"/>
+    <p:sldLayoutId id="2147483649" r:id="rId1"/>
+    <p:sldLayoutId id="2147483650" r:id="rId2"/>
+    <p:sldLayoutId id="2147483651" r:id="rId3"/>
+    <p:sldLayoutId id="2147483652" r:id="rId4"/>
+    <p:sldLayoutId id="2147483653" r:id="rId5"/>
   </p:sldLayoutIdLst>
   <p:txStyles>
     <p:titleStyle>
@@ -2558,51 +2558,51 @@
               <a:t>STUDENT NAME: </a:t>
             </a:r>
             <a:r>
-              <a:rPr altLang="en-GB" dirty="0" sz="2400" lang="en-US"/>
+              <a:rPr altLang="en-IN" dirty="0" sz="2400" lang="en-US"/>
               <a:t>S</a:t>
             </a:r>
             <a:r>
-              <a:rPr altLang="en-GB" dirty="0" sz="2400" lang="en-US"/>
-              <a:t>I</a:t>
-            </a:r>
-            <a:r>
-              <a:rPr altLang="en-GB" dirty="0" sz="2400" lang="en-US"/>
-              <a:t>V</a:t>
-            </a:r>
-            <a:r>
-              <a:rPr altLang="en-GB" dirty="0" sz="2400" lang="en-US"/>
-              <a:t>A</a:t>
-            </a:r>
-            <a:r>
-              <a:rPr altLang="en-GB" dirty="0" sz="2400" lang="en-US"/>
-              <a:t>S</a:t>
-            </a:r>
-            <a:r>
-              <a:rPr altLang="en-GB" dirty="0" sz="2400" lang="en-US"/>
-              <a:t>A</a:t>
-            </a:r>
-            <a:r>
-              <a:rPr altLang="en-GB" dirty="0" sz="2400" lang="en-US"/>
-              <a:t>K</a:t>
-            </a:r>
-            <a:r>
-              <a:rPr altLang="en-GB" dirty="0" sz="2400" lang="en-US"/>
-              <a:t>T</a:t>
-            </a:r>
-            <a:r>
-              <a:rPr altLang="en-GB" dirty="0" sz="2400" lang="en-US"/>
-              <a:t>H</a:t>
-            </a:r>
-            <a:r>
-              <a:rPr altLang="en-GB" dirty="0" sz="2400" lang="en-US"/>
-              <a:t>I</a:t>
-            </a:r>
-            <a:r>
-              <a:rPr altLang="en-GB" dirty="0" sz="2400" lang="en-US"/>
+              <a:rPr altLang="en-IN" dirty="0" sz="2400" lang="en-US"/>
+              <a:t>i</a:t>
+            </a:r>
+            <a:r>
+              <a:rPr altLang="en-IN" dirty="0" sz="2400" lang="en-US"/>
+              <a:t>v</a:t>
+            </a:r>
+            <a:r>
+              <a:rPr altLang="en-IN" dirty="0" sz="2400" lang="en-US"/>
+              <a:t>a</a:t>
+            </a:r>
+            <a:r>
+              <a:rPr altLang="en-IN" dirty="0" sz="2400" lang="en-US"/>
+              <a:t>s</a:t>
+            </a:r>
+            <a:r>
+              <a:rPr altLang="en-IN" dirty="0" sz="2400" lang="en-US"/>
+              <a:t>a</a:t>
+            </a:r>
+            <a:r>
+              <a:rPr altLang="en-IN" dirty="0" sz="2400" lang="en-US"/>
+              <a:t>k</a:t>
+            </a:r>
+            <a:r>
+              <a:rPr altLang="en-IN" dirty="0" sz="2400" lang="en-US"/>
+              <a:t>t</a:t>
+            </a:r>
+            <a:r>
+              <a:rPr altLang="en-IN" dirty="0" sz="2400" lang="en-US"/>
+              <a:t>h</a:t>
+            </a:r>
+            <a:r>
+              <a:rPr altLang="en-IN" dirty="0" sz="2400" lang="en-US"/>
+              <a:t>i</a:t>
+            </a:r>
+            <a:r>
+              <a:rPr altLang="en-IN" dirty="0" sz="2400" lang="en-US"/>
               <a:t>.</a:t>
             </a:r>
             <a:r>
-              <a:rPr altLang="en-GB" dirty="0" sz="2400" lang="en-US"/>
+              <a:rPr altLang="en-IN" dirty="0" sz="2400" lang="en-US"/>
               <a:t>R</a:t>
             </a:r>
             <a:endParaRPr altLang="en-US" lang="zh-CN"/>
@@ -2706,8 +2706,10 @@
           </a:p>
           <a:p>
             <a:r>
-              <a:rPr dirty="0" sz="2400" lang="en-US"/>
-              <a:t>autanm106106cs214049</a:t>
+              <a:rPr altLang="en-IN" dirty="0" sz="2400" lang="en-US">
+                <a:cs typeface="Calibri"/>
+              </a:rPr>
+              <a:t>1A90C4F9ACA7B149C5A4DDE36D87C556</a:t>
             </a:r>
             <a:endParaRPr dirty="0" sz="2400" lang="en-US">
               <a:cs typeface="Calibri"/>
